--- a/docs/SRS/SystemContextFigure.pptx
+++ b/docs/SRS/SystemContextFigure.pptx
@@ -304,7 +304,7 @@
           <a:p>
             <a:fld id="{779256A2-DE0C-7447-B687-786F38514E8C}" type="datetimeFigureOut">
               <a:rPr lang="en-US" smtClean="0"/>
-              <a:t>9/4/19</a:t>
+              <a:t>1/30/2026</a:t>
             </a:fld>
             <a:endParaRPr lang="en-US"/>
           </a:p>
@@ -474,7 +474,7 @@
           <a:p>
             <a:fld id="{779256A2-DE0C-7447-B687-786F38514E8C}" type="datetimeFigureOut">
               <a:rPr lang="en-US" smtClean="0"/>
-              <a:t>9/4/19</a:t>
+              <a:t>1/30/2026</a:t>
             </a:fld>
             <a:endParaRPr lang="en-US"/>
           </a:p>
@@ -654,7 +654,7 @@
           <a:p>
             <a:fld id="{779256A2-DE0C-7447-B687-786F38514E8C}" type="datetimeFigureOut">
               <a:rPr lang="en-US" smtClean="0"/>
-              <a:t>9/4/19</a:t>
+              <a:t>1/30/2026</a:t>
             </a:fld>
             <a:endParaRPr lang="en-US"/>
           </a:p>
@@ -824,7 +824,7 @@
           <a:p>
             <a:fld id="{779256A2-DE0C-7447-B687-786F38514E8C}" type="datetimeFigureOut">
               <a:rPr lang="en-US" smtClean="0"/>
-              <a:t>9/4/19</a:t>
+              <a:t>1/30/2026</a:t>
             </a:fld>
             <a:endParaRPr lang="en-US"/>
           </a:p>
@@ -1070,7 +1070,7 @@
           <a:p>
             <a:fld id="{779256A2-DE0C-7447-B687-786F38514E8C}" type="datetimeFigureOut">
               <a:rPr lang="en-US" smtClean="0"/>
-              <a:t>9/4/19</a:t>
+              <a:t>1/30/2026</a:t>
             </a:fld>
             <a:endParaRPr lang="en-US"/>
           </a:p>
@@ -1358,7 +1358,7 @@
           <a:p>
             <a:fld id="{779256A2-DE0C-7447-B687-786F38514E8C}" type="datetimeFigureOut">
               <a:rPr lang="en-US" smtClean="0"/>
-              <a:t>9/4/19</a:t>
+              <a:t>1/30/2026</a:t>
             </a:fld>
             <a:endParaRPr lang="en-US"/>
           </a:p>
@@ -1780,7 +1780,7 @@
           <a:p>
             <a:fld id="{779256A2-DE0C-7447-B687-786F38514E8C}" type="datetimeFigureOut">
               <a:rPr lang="en-US" smtClean="0"/>
-              <a:t>9/4/19</a:t>
+              <a:t>1/30/2026</a:t>
             </a:fld>
             <a:endParaRPr lang="en-US"/>
           </a:p>
@@ -1898,7 +1898,7 @@
           <a:p>
             <a:fld id="{779256A2-DE0C-7447-B687-786F38514E8C}" type="datetimeFigureOut">
               <a:rPr lang="en-US" smtClean="0"/>
-              <a:t>9/4/19</a:t>
+              <a:t>1/30/2026</a:t>
             </a:fld>
             <a:endParaRPr lang="en-US"/>
           </a:p>
@@ -1993,7 +1993,7 @@
           <a:p>
             <a:fld id="{779256A2-DE0C-7447-B687-786F38514E8C}" type="datetimeFigureOut">
               <a:rPr lang="en-US" smtClean="0"/>
-              <a:t>9/4/19</a:t>
+              <a:t>1/30/2026</a:t>
             </a:fld>
             <a:endParaRPr lang="en-US"/>
           </a:p>
@@ -2270,7 +2270,7 @@
           <a:p>
             <a:fld id="{779256A2-DE0C-7447-B687-786F38514E8C}" type="datetimeFigureOut">
               <a:rPr lang="en-US" smtClean="0"/>
-              <a:t>9/4/19</a:t>
+              <a:t>1/30/2026</a:t>
             </a:fld>
             <a:endParaRPr lang="en-US"/>
           </a:p>
@@ -2523,7 +2523,7 @@
           <a:p>
             <a:fld id="{779256A2-DE0C-7447-B687-786F38514E8C}" type="datetimeFigureOut">
               <a:rPr lang="en-US" smtClean="0"/>
-              <a:t>9/4/19</a:t>
+              <a:t>1/30/2026</a:t>
             </a:fld>
             <a:endParaRPr lang="en-US"/>
           </a:p>
@@ -2736,7 +2736,7 @@
           <a:p>
             <a:fld id="{779256A2-DE0C-7447-B687-786F38514E8C}" type="datetimeFigureOut">
               <a:rPr lang="en-US" smtClean="0"/>
-              <a:t>9/4/19</a:t>
+              <a:t>1/30/2026</a:t>
             </a:fld>
             <a:endParaRPr lang="en-US"/>
           </a:p>
@@ -3119,10 +3119,10 @@
         </p:nvGrpSpPr>
         <p:grpSpPr>
           <a:xfrm>
-            <a:off x="189913" y="2868373"/>
-            <a:ext cx="8858711" cy="1252941"/>
-            <a:chOff x="189913" y="3381165"/>
-            <a:chExt cx="8858711" cy="1252941"/>
+            <a:off x="134691" y="3307529"/>
+            <a:ext cx="8858711" cy="2659392"/>
+            <a:chOff x="189913" y="3136508"/>
+            <a:chExt cx="8858711" cy="2659392"/>
           </a:xfrm>
         </p:grpSpPr>
         <p:grpSp>
@@ -3324,118 +3324,67 @@
             </p:sp>
           </p:grpSp>
         </p:grpSp>
-        <p:grpSp>
-          <p:nvGrpSpPr>
-            <p:cNvPr id="20" name="Group 19"/>
-            <p:cNvGrpSpPr/>
+        <p:sp>
+          <p:nvSpPr>
+            <p:cNvPr id="18" name="Rectangle 17"/>
+            <p:cNvSpPr/>
             <p:nvPr/>
-          </p:nvGrpSpPr>
-          <p:grpSpPr>
+          </p:nvSpPr>
+          <p:spPr>
             <a:xfrm>
-              <a:off x="3885481" y="3381165"/>
-              <a:ext cx="1523744" cy="1246370"/>
-              <a:chOff x="3703297" y="1721177"/>
-              <a:chExt cx="1523744" cy="1246370"/>
+              <a:off x="3258962" y="3136508"/>
+              <a:ext cx="2957089" cy="2564510"/>
             </a:xfrm>
-          </p:grpSpPr>
-          <p:sp>
-            <p:nvSpPr>
-              <p:cNvPr id="18" name="Rectangle 17"/>
-              <p:cNvSpPr/>
-              <p:nvPr/>
-            </p:nvSpPr>
-            <p:spPr>
-              <a:xfrm>
-                <a:off x="3703297" y="1721177"/>
-                <a:ext cx="1483694" cy="1246370"/>
-              </a:xfrm>
-              <a:prstGeom prst="rect">
-                <a:avLst/>
-              </a:prstGeom>
-              <a:noFill/>
-              <a:ln w="38100" cmpd="sng">
-                <a:solidFill>
-                  <a:schemeClr val="tx1"/>
-                </a:solidFill>
-              </a:ln>
-              <a:effectLst/>
-            </p:spPr>
-            <p:style>
-              <a:lnRef idx="1">
-                <a:schemeClr val="accent1"/>
-              </a:lnRef>
-              <a:fillRef idx="3">
-                <a:schemeClr val="accent1"/>
-              </a:fillRef>
-              <a:effectRef idx="2">
-                <a:schemeClr val="accent1"/>
-              </a:effectRef>
-              <a:fontRef idx="minor">
-                <a:schemeClr val="lt1"/>
-              </a:fontRef>
-            </p:style>
-            <p:txBody>
-              <a:bodyPr rtlCol="0" anchor="ctr"/>
-              <a:lstStyle/>
-              <a:p>
-                <a:pPr algn="ctr"/>
-                <a:r>
-                  <a:rPr lang="en-US"/>
-                  <a:t>`</a:t>
-                </a:r>
-              </a:p>
-            </p:txBody>
-          </p:sp>
-          <p:sp>
-            <p:nvSpPr>
-              <p:cNvPr id="19" name="TextBox 18"/>
-              <p:cNvSpPr txBox="1"/>
-              <p:nvPr/>
-            </p:nvSpPr>
-            <p:spPr>
-              <a:xfrm>
-                <a:off x="3726309" y="2113529"/>
-                <a:ext cx="1500732" cy="461665"/>
-              </a:xfrm>
-              <a:prstGeom prst="rect">
-                <a:avLst/>
-              </a:prstGeom>
-              <a:noFill/>
-            </p:spPr>
-            <p:txBody>
-              <a:bodyPr wrap="none" rtlCol="0">
-                <a:spAutoFit/>
-              </a:bodyPr>
-              <a:lstStyle/>
-              <a:p>
-                <a:r>
-                  <a:rPr lang="en-US" sz="2400" dirty="0" err="1">
-                    <a:latin typeface="Times New Roman"/>
-                    <a:cs typeface="Times New Roman"/>
-                  </a:rPr>
-                  <a:t>ProgName</a:t>
-                </a:r>
-                <a:endParaRPr lang="en-US" sz="2400" dirty="0">
-                  <a:latin typeface="Times New Roman"/>
-                  <a:cs typeface="Times New Roman"/>
-                </a:endParaRPr>
-              </a:p>
-            </p:txBody>
-          </p:sp>
-        </p:grpSp>
+            <a:prstGeom prst="rect">
+              <a:avLst/>
+            </a:prstGeom>
+            <a:noFill/>
+            <a:ln w="38100" cmpd="sng">
+              <a:solidFill>
+                <a:schemeClr val="tx1"/>
+              </a:solidFill>
+            </a:ln>
+            <a:effectLst/>
+          </p:spPr>
+          <p:style>
+            <a:lnRef idx="1">
+              <a:schemeClr val="accent1"/>
+            </a:lnRef>
+            <a:fillRef idx="3">
+              <a:schemeClr val="accent1"/>
+            </a:fillRef>
+            <a:effectRef idx="2">
+              <a:schemeClr val="accent1"/>
+            </a:effectRef>
+            <a:fontRef idx="minor">
+              <a:schemeClr val="lt1"/>
+            </a:fontRef>
+          </p:style>
+          <p:txBody>
+            <a:bodyPr rtlCol="0" anchor="ctr"/>
+            <a:lstStyle/>
+            <a:p>
+              <a:pPr algn="ctr"/>
+              <a:r>
+                <a:rPr lang="en-US"/>
+                <a:t>`</a:t>
+              </a:r>
+            </a:p>
+          </p:txBody>
+        </p:sp>
         <p:cxnSp>
           <p:nvCxnSpPr>
             <p:cNvPr id="25" name="Straight Arrow Connector 24"/>
             <p:cNvCxnSpPr>
+              <a:cxnSpLocks/>
               <a:stCxn id="4" idx="6"/>
-              <a:endCxn id="18" idx="1"/>
             </p:cNvCxnSpPr>
             <p:nvPr/>
           </p:nvCxnSpPr>
           <p:spPr>
-            <a:xfrm flipV="1">
-              <a:off x="1436215" y="4004350"/>
-              <a:ext cx="2449266" cy="6571"/>
+            <a:xfrm>
+              <a:off x="1436215" y="4010921"/>
+              <a:ext cx="1822747" cy="0"/>
             </a:xfrm>
             <a:prstGeom prst="straightConnector1">
               <a:avLst/>
@@ -3466,13 +3415,15 @@
         <p:cxnSp>
           <p:nvCxnSpPr>
             <p:cNvPr id="27" name="Straight Arrow Connector 26"/>
-            <p:cNvCxnSpPr/>
+            <p:cNvCxnSpPr>
+              <a:cxnSpLocks/>
+            </p:cNvCxnSpPr>
             <p:nvPr/>
           </p:nvCxnSpPr>
           <p:spPr>
             <a:xfrm>
-              <a:off x="5369175" y="4010921"/>
-              <a:ext cx="2449266" cy="0"/>
+              <a:off x="6216051" y="4010921"/>
+              <a:ext cx="1602390" cy="0"/>
             </a:xfrm>
             <a:prstGeom prst="straightConnector1">
               <a:avLst/>
@@ -3508,8 +3459,8 @@
           </p:nvSpPr>
           <p:spPr>
             <a:xfrm>
-              <a:off x="1745191" y="3577615"/>
-              <a:ext cx="1114408" cy="369332"/>
+              <a:off x="1469016" y="4217745"/>
+              <a:ext cx="2430861" cy="830997"/>
             </a:xfrm>
             <a:prstGeom prst="rect">
               <a:avLst/>
@@ -3517,17 +3468,42 @@
             <a:noFill/>
           </p:spPr>
           <p:txBody>
-            <a:bodyPr wrap="none" rtlCol="0">
+            <a:bodyPr wrap="square" rtlCol="0">
               <a:spAutoFit/>
             </a:bodyPr>
             <a:lstStyle/>
             <a:p>
               <a:r>
-                <a:rPr lang="en-US" dirty="0">
+                <a:rPr lang="en-US" sz="1600" dirty="0">
                   <a:latin typeface="Times New Roman"/>
                   <a:cs typeface="Times New Roman"/>
                 </a:rPr>
-                <a:t>Inputs: …</a:t>
+                <a:t>Inputs: </a:t>
+              </a:r>
+              <a:r>
+                <a:rPr lang="en-US" altLang="zh-CN" sz="1600" dirty="0">
+                  <a:latin typeface="Times New Roman"/>
+                  <a:cs typeface="Times New Roman"/>
+                </a:rPr>
+                <a:t>Audio,</a:t>
+              </a:r>
+            </a:p>
+            <a:p>
+              <a:r>
+                <a:rPr lang="en-US" sz="1600" dirty="0">
+                  <a:latin typeface="Times New Roman"/>
+                  <a:cs typeface="Times New Roman"/>
+                </a:rPr>
+                <a:t>MEG dataset,</a:t>
+              </a:r>
+            </a:p>
+            <a:p>
+              <a:r>
+                <a:rPr lang="en-US" sz="1600" dirty="0">
+                  <a:latin typeface="Times New Roman"/>
+                  <a:cs typeface="Times New Roman"/>
+                </a:rPr>
+                <a:t>Experiment config</a:t>
               </a:r>
             </a:p>
           </p:txBody>
@@ -3540,8 +3516,8 @@
           </p:nvSpPr>
           <p:spPr>
             <a:xfrm>
-              <a:off x="5369175" y="3577615"/>
-              <a:ext cx="1268296" cy="369332"/>
+              <a:off x="6421886" y="4718682"/>
+              <a:ext cx="2360565" cy="1077218"/>
             </a:xfrm>
             <a:prstGeom prst="rect">
               <a:avLst/>
@@ -3549,22 +3525,754 @@
             <a:noFill/>
           </p:spPr>
           <p:txBody>
-            <a:bodyPr wrap="none" rtlCol="0">
+            <a:bodyPr wrap="square" rtlCol="0">
               <a:spAutoFit/>
             </a:bodyPr>
             <a:lstStyle/>
             <a:p>
               <a:r>
-                <a:rPr lang="en-US" dirty="0">
+                <a:rPr lang="en-US" sz="1600" dirty="0">
                   <a:latin typeface="Times New Roman"/>
                   <a:cs typeface="Times New Roman"/>
                 </a:rPr>
-                <a:t>Outputs: …</a:t>
+                <a:t>Outputs: Trained models,</a:t>
+              </a:r>
+            </a:p>
+            <a:p>
+              <a:r>
+                <a:rPr lang="en-US" sz="1600" dirty="0">
+                  <a:latin typeface="Times New Roman"/>
+                  <a:cs typeface="Times New Roman"/>
+                </a:rPr>
+                <a:t>Predictors,</a:t>
+              </a:r>
+            </a:p>
+            <a:p>
+              <a:r>
+                <a:rPr lang="en-US" sz="1600" dirty="0">
+                  <a:latin typeface="Times New Roman"/>
+                  <a:cs typeface="Times New Roman"/>
+                </a:rPr>
+                <a:t>TRF weights</a:t>
+              </a:r>
+            </a:p>
+            <a:p>
+              <a:r>
+                <a:rPr lang="en-US" sz="1600" dirty="0">
+                  <a:latin typeface="Times New Roman"/>
+                  <a:cs typeface="Times New Roman"/>
+                </a:rPr>
+                <a:t>Comparison results</a:t>
               </a:r>
             </a:p>
           </p:txBody>
         </p:sp>
       </p:grpSp>
+      <p:sp>
+        <p:nvSpPr>
+          <p:cNvPr id="3" name="Oval 7">
+            <a:extLst>
+              <a:ext uri="{FF2B5EF4-FFF2-40B4-BE49-F238E27FC236}">
+                <a16:creationId xmlns:a16="http://schemas.microsoft.com/office/drawing/2014/main" id="{3CB7FAD7-4A7C-0AE2-1833-F109677EF7DC}"/>
+              </a:ext>
+            </a:extLst>
+          </p:cNvPr>
+          <p:cNvSpPr/>
+          <p:nvPr/>
+        </p:nvSpPr>
+        <p:spPr>
+          <a:xfrm>
+            <a:off x="3830259" y="985962"/>
+            <a:ext cx="1373055" cy="1332745"/>
+          </a:xfrm>
+          <a:prstGeom prst="ellipse">
+            <a:avLst/>
+          </a:prstGeom>
+          <a:noFill/>
+          <a:ln w="38100" cmpd="sng">
+            <a:solidFill>
+              <a:schemeClr val="tx1"/>
+            </a:solidFill>
+          </a:ln>
+          <a:effectLst/>
+        </p:spPr>
+        <p:style>
+          <a:lnRef idx="1">
+            <a:schemeClr val="accent1"/>
+          </a:lnRef>
+          <a:fillRef idx="3">
+            <a:schemeClr val="accent1"/>
+          </a:fillRef>
+          <a:effectRef idx="2">
+            <a:schemeClr val="accent1"/>
+          </a:effectRef>
+          <a:fontRef idx="minor">
+            <a:schemeClr val="lt1"/>
+          </a:fontRef>
+        </p:style>
+        <p:txBody>
+          <a:bodyPr rtlCol="0" anchor="ctr"/>
+          <a:lstStyle/>
+          <a:p>
+            <a:pPr algn="ctr"/>
+            <a:endParaRPr lang="en-US" sz="2000" dirty="0">
+              <a:solidFill>
+                <a:schemeClr val="tx1"/>
+              </a:solidFill>
+              <a:latin typeface="Times New Roman" panose="02020603050405020304" pitchFamily="18" charset="0"/>
+              <a:cs typeface="Times New Roman" panose="02020603050405020304" pitchFamily="18" charset="0"/>
+            </a:endParaRPr>
+          </a:p>
+        </p:txBody>
+      </p:sp>
+      <p:cxnSp>
+        <p:nvCxnSpPr>
+          <p:cNvPr id="11" name="Straight Arrow Connector 24">
+            <a:extLst>
+              <a:ext uri="{FF2B5EF4-FFF2-40B4-BE49-F238E27FC236}">
+                <a16:creationId xmlns:a16="http://schemas.microsoft.com/office/drawing/2014/main" id="{2B549470-68A0-2806-5397-A94C534D56DA}"/>
+              </a:ext>
+            </a:extLst>
+          </p:cNvPr>
+          <p:cNvCxnSpPr>
+            <a:cxnSpLocks/>
+          </p:cNvCxnSpPr>
+          <p:nvPr/>
+        </p:nvCxnSpPr>
+        <p:spPr>
+          <a:xfrm flipV="1">
+            <a:off x="4237830" y="2266122"/>
+            <a:ext cx="0" cy="1041407"/>
+          </a:xfrm>
+          <a:prstGeom prst="straightConnector1">
+            <a:avLst/>
+          </a:prstGeom>
+          <a:ln w="38100" cmpd="sng">
+            <a:solidFill>
+              <a:schemeClr val="tx1"/>
+            </a:solidFill>
+            <a:tailEnd type="arrow"/>
+          </a:ln>
+          <a:effectLst/>
+        </p:spPr>
+        <p:style>
+          <a:lnRef idx="2">
+            <a:schemeClr val="accent1"/>
+          </a:lnRef>
+          <a:fillRef idx="0">
+            <a:schemeClr val="accent1"/>
+          </a:fillRef>
+          <a:effectRef idx="1">
+            <a:schemeClr val="accent1"/>
+          </a:effectRef>
+          <a:fontRef idx="minor">
+            <a:schemeClr val="tx1"/>
+          </a:fontRef>
+        </p:style>
+      </p:cxnSp>
+      <p:cxnSp>
+        <p:nvCxnSpPr>
+          <p:cNvPr id="15" name="Straight Arrow Connector 24">
+            <a:extLst>
+              <a:ext uri="{FF2B5EF4-FFF2-40B4-BE49-F238E27FC236}">
+                <a16:creationId xmlns:a16="http://schemas.microsoft.com/office/drawing/2014/main" id="{3D902E8A-94F9-D019-798B-B7254785A7D4}"/>
+              </a:ext>
+            </a:extLst>
+          </p:cNvPr>
+          <p:cNvCxnSpPr>
+            <a:cxnSpLocks/>
+          </p:cNvCxnSpPr>
+          <p:nvPr/>
+        </p:nvCxnSpPr>
+        <p:spPr>
+          <a:xfrm>
+            <a:off x="4811649" y="2266122"/>
+            <a:ext cx="0" cy="1041407"/>
+          </a:xfrm>
+          <a:prstGeom prst="straightConnector1">
+            <a:avLst/>
+          </a:prstGeom>
+          <a:ln w="38100" cmpd="sng">
+            <a:solidFill>
+              <a:schemeClr val="tx1"/>
+            </a:solidFill>
+            <a:tailEnd type="arrow"/>
+          </a:ln>
+          <a:effectLst/>
+        </p:spPr>
+        <p:style>
+          <a:lnRef idx="2">
+            <a:schemeClr val="accent1"/>
+          </a:lnRef>
+          <a:fillRef idx="0">
+            <a:schemeClr val="accent1"/>
+          </a:fillRef>
+          <a:effectRef idx="1">
+            <a:schemeClr val="accent1"/>
+          </a:effectRef>
+          <a:fontRef idx="minor">
+            <a:schemeClr val="tx1"/>
+          </a:fontRef>
+        </p:style>
+      </p:cxnSp>
+      <p:sp>
+        <p:nvSpPr>
+          <p:cNvPr id="23" name="TextBox 33">
+            <a:extLst>
+              <a:ext uri="{FF2B5EF4-FFF2-40B4-BE49-F238E27FC236}">
+                <a16:creationId xmlns:a16="http://schemas.microsoft.com/office/drawing/2014/main" id="{FDD8428D-3FB6-F735-5E95-9F6AC1159F7B}"/>
+              </a:ext>
+            </a:extLst>
+          </p:cNvPr>
+          <p:cNvSpPr txBox="1"/>
+          <p:nvPr/>
+        </p:nvSpPr>
+        <p:spPr>
+          <a:xfrm>
+            <a:off x="2199338" y="2359576"/>
+            <a:ext cx="1963759" cy="830997"/>
+          </a:xfrm>
+          <a:prstGeom prst="rect">
+            <a:avLst/>
+          </a:prstGeom>
+          <a:noFill/>
+        </p:spPr>
+        <p:txBody>
+          <a:bodyPr wrap="square" rtlCol="0">
+            <a:spAutoFit/>
+          </a:bodyPr>
+          <a:lstStyle/>
+          <a:p>
+            <a:r>
+              <a:rPr lang="en-US" sz="1600" dirty="0">
+                <a:latin typeface="Times New Roman"/>
+                <a:cs typeface="Times New Roman"/>
+              </a:rPr>
+              <a:t>File paths, processing Parameters, Visualization</a:t>
+            </a:r>
+          </a:p>
+        </p:txBody>
+      </p:sp>
+      <p:sp>
+        <p:nvSpPr>
+          <p:cNvPr id="24" name="TextBox 34">
+            <a:extLst>
+              <a:ext uri="{FF2B5EF4-FFF2-40B4-BE49-F238E27FC236}">
+                <a16:creationId xmlns:a16="http://schemas.microsoft.com/office/drawing/2014/main" id="{FC314339-A76B-3362-8FB7-FFA49D90931D}"/>
+              </a:ext>
+            </a:extLst>
+          </p:cNvPr>
+          <p:cNvSpPr txBox="1"/>
+          <p:nvPr/>
+        </p:nvSpPr>
+        <p:spPr>
+          <a:xfrm>
+            <a:off x="4834450" y="2397619"/>
+            <a:ext cx="2110212" cy="830997"/>
+          </a:xfrm>
+          <a:prstGeom prst="rect">
+            <a:avLst/>
+          </a:prstGeom>
+          <a:noFill/>
+        </p:spPr>
+        <p:txBody>
+          <a:bodyPr wrap="square" rtlCol="0">
+            <a:spAutoFit/>
+          </a:bodyPr>
+          <a:lstStyle/>
+          <a:p>
+            <a:r>
+              <a:rPr lang="en-US" sz="1600" dirty="0">
+                <a:latin typeface="Times New Roman"/>
+                <a:cs typeface="Times New Roman"/>
+              </a:rPr>
+              <a:t>Calculate mTRF based on the predictors and MEG data</a:t>
+            </a:r>
+          </a:p>
+        </p:txBody>
+      </p:sp>
+      <p:sp>
+        <p:nvSpPr>
+          <p:cNvPr id="14" name="TextBox 13">
+            <a:extLst>
+              <a:ext uri="{FF2B5EF4-FFF2-40B4-BE49-F238E27FC236}">
+                <a16:creationId xmlns:a16="http://schemas.microsoft.com/office/drawing/2014/main" id="{B2128411-C098-4DF1-3402-AE32C1533EE0}"/>
+              </a:ext>
+            </a:extLst>
+          </p:cNvPr>
+          <p:cNvSpPr txBox="1"/>
+          <p:nvPr/>
+        </p:nvSpPr>
+        <p:spPr>
+          <a:xfrm>
+            <a:off x="4031566" y="1309503"/>
+            <a:ext cx="1560165" cy="923330"/>
+          </a:xfrm>
+          <a:prstGeom prst="rect">
+            <a:avLst/>
+          </a:prstGeom>
+          <a:noFill/>
+        </p:spPr>
+        <p:txBody>
+          <a:bodyPr wrap="square">
+            <a:spAutoFit/>
+          </a:bodyPr>
+          <a:lstStyle/>
+          <a:p>
+            <a:r>
+              <a:rPr lang="en-US" altLang="zh-CN" sz="1800" dirty="0">
+                <a:solidFill>
+                  <a:schemeClr val="tx1"/>
+                </a:solidFill>
+                <a:latin typeface="Times New Roman" panose="02020603050405020304" pitchFamily="18" charset="0"/>
+                <a:cs typeface="Times New Roman" panose="02020603050405020304" pitchFamily="18" charset="0"/>
+              </a:rPr>
+              <a:t>Eelbrain pipeline</a:t>
+            </a:r>
+          </a:p>
+          <a:p>
+            <a:pPr algn="ctr"/>
+            <a:endParaRPr lang="en-US" altLang="zh-CN" sz="1800" dirty="0">
+              <a:solidFill>
+                <a:schemeClr val="tx1"/>
+              </a:solidFill>
+              <a:latin typeface="Times New Roman" panose="02020603050405020304" pitchFamily="18" charset="0"/>
+              <a:cs typeface="Times New Roman" panose="02020603050405020304" pitchFamily="18" charset="0"/>
+            </a:endParaRPr>
+          </a:p>
+        </p:txBody>
+      </p:sp>
+      <p:sp>
+        <p:nvSpPr>
+          <p:cNvPr id="36" name="Rectangle 35">
+            <a:extLst>
+              <a:ext uri="{FF2B5EF4-FFF2-40B4-BE49-F238E27FC236}">
+                <a16:creationId xmlns:a16="http://schemas.microsoft.com/office/drawing/2014/main" id="{1572C7D5-1EAD-AE6C-688B-6A6E69712A3F}"/>
+              </a:ext>
+            </a:extLst>
+          </p:cNvPr>
+          <p:cNvSpPr/>
+          <p:nvPr/>
+        </p:nvSpPr>
+        <p:spPr>
+          <a:xfrm>
+            <a:off x="3356140" y="3459929"/>
+            <a:ext cx="2625559" cy="429836"/>
+          </a:xfrm>
+          <a:prstGeom prst="rect">
+            <a:avLst/>
+          </a:prstGeom>
+          <a:noFill/>
+          <a:ln w="38100" cmpd="sng">
+            <a:solidFill>
+              <a:schemeClr val="tx1"/>
+            </a:solidFill>
+          </a:ln>
+          <a:effectLst/>
+        </p:spPr>
+        <p:style>
+          <a:lnRef idx="1">
+            <a:schemeClr val="accent1"/>
+          </a:lnRef>
+          <a:fillRef idx="3">
+            <a:schemeClr val="accent1"/>
+          </a:fillRef>
+          <a:effectRef idx="2">
+            <a:schemeClr val="accent1"/>
+          </a:effectRef>
+          <a:fontRef idx="minor">
+            <a:schemeClr val="lt1"/>
+          </a:fontRef>
+        </p:style>
+        <p:txBody>
+          <a:bodyPr rtlCol="0" anchor="ctr"/>
+          <a:lstStyle/>
+          <a:p>
+            <a:pPr algn="ctr"/>
+            <a:r>
+              <a:rPr lang="en-US"/>
+              <a:t>`</a:t>
+            </a:r>
+          </a:p>
+        </p:txBody>
+      </p:sp>
+      <p:sp>
+        <p:nvSpPr>
+          <p:cNvPr id="41" name="TextBox 40">
+            <a:extLst>
+              <a:ext uri="{FF2B5EF4-FFF2-40B4-BE49-F238E27FC236}">
+                <a16:creationId xmlns:a16="http://schemas.microsoft.com/office/drawing/2014/main" id="{C27FC0EF-44C3-6F1C-7D77-AF747B5D2E02}"/>
+              </a:ext>
+            </a:extLst>
+          </p:cNvPr>
+          <p:cNvSpPr txBox="1"/>
+          <p:nvPr/>
+        </p:nvSpPr>
+        <p:spPr>
+          <a:xfrm>
+            <a:off x="3791917" y="3490181"/>
+            <a:ext cx="1560165" cy="369332"/>
+          </a:xfrm>
+          <a:prstGeom prst="rect">
+            <a:avLst/>
+          </a:prstGeom>
+          <a:noFill/>
+        </p:spPr>
+        <p:txBody>
+          <a:bodyPr wrap="square">
+            <a:spAutoFit/>
+          </a:bodyPr>
+          <a:lstStyle/>
+          <a:p>
+            <a:r>
+              <a:rPr lang="en-US" altLang="zh-CN" sz="1800" dirty="0">
+                <a:solidFill>
+                  <a:schemeClr val="tx1"/>
+                </a:solidFill>
+                <a:latin typeface="Times New Roman" panose="02020603050405020304" pitchFamily="18" charset="0"/>
+                <a:cs typeface="Times New Roman" panose="02020603050405020304" pitchFamily="18" charset="0"/>
+              </a:rPr>
+              <a:t>Model training</a:t>
+            </a:r>
+          </a:p>
+        </p:txBody>
+      </p:sp>
+      <p:sp>
+        <p:nvSpPr>
+          <p:cNvPr id="42" name="Rectangle 41">
+            <a:extLst>
+              <a:ext uri="{FF2B5EF4-FFF2-40B4-BE49-F238E27FC236}">
+                <a16:creationId xmlns:a16="http://schemas.microsoft.com/office/drawing/2014/main" id="{F0274D6F-788C-0AF4-0204-FB9EE8B854D8}"/>
+              </a:ext>
+            </a:extLst>
+          </p:cNvPr>
+          <p:cNvSpPr/>
+          <p:nvPr/>
+        </p:nvSpPr>
+        <p:spPr>
+          <a:xfrm>
+            <a:off x="3356140" y="4031805"/>
+            <a:ext cx="2625559" cy="429836"/>
+          </a:xfrm>
+          <a:prstGeom prst="rect">
+            <a:avLst/>
+          </a:prstGeom>
+          <a:noFill/>
+          <a:ln w="38100" cmpd="sng">
+            <a:solidFill>
+              <a:schemeClr val="tx1"/>
+            </a:solidFill>
+          </a:ln>
+          <a:effectLst/>
+        </p:spPr>
+        <p:style>
+          <a:lnRef idx="1">
+            <a:schemeClr val="accent1"/>
+          </a:lnRef>
+          <a:fillRef idx="3">
+            <a:schemeClr val="accent1"/>
+          </a:fillRef>
+          <a:effectRef idx="2">
+            <a:schemeClr val="accent1"/>
+          </a:effectRef>
+          <a:fontRef idx="minor">
+            <a:schemeClr val="lt1"/>
+          </a:fontRef>
+        </p:style>
+        <p:txBody>
+          <a:bodyPr rtlCol="0" anchor="ctr"/>
+          <a:lstStyle/>
+          <a:p>
+            <a:pPr algn="ctr"/>
+            <a:r>
+              <a:rPr lang="en-US"/>
+              <a:t>`</a:t>
+            </a:r>
+          </a:p>
+        </p:txBody>
+      </p:sp>
+      <p:sp>
+        <p:nvSpPr>
+          <p:cNvPr id="43" name="Rectangle 42">
+            <a:extLst>
+              <a:ext uri="{FF2B5EF4-FFF2-40B4-BE49-F238E27FC236}">
+                <a16:creationId xmlns:a16="http://schemas.microsoft.com/office/drawing/2014/main" id="{2ED6D1BC-3FC8-E342-B98F-82EBF3844568}"/>
+              </a:ext>
+            </a:extLst>
+          </p:cNvPr>
+          <p:cNvSpPr/>
+          <p:nvPr/>
+        </p:nvSpPr>
+        <p:spPr>
+          <a:xfrm>
+            <a:off x="3356139" y="4632184"/>
+            <a:ext cx="2625559" cy="429836"/>
+          </a:xfrm>
+          <a:prstGeom prst="rect">
+            <a:avLst/>
+          </a:prstGeom>
+          <a:noFill/>
+          <a:ln w="38100" cmpd="sng">
+            <a:solidFill>
+              <a:schemeClr val="tx1"/>
+            </a:solidFill>
+          </a:ln>
+          <a:effectLst/>
+        </p:spPr>
+        <p:style>
+          <a:lnRef idx="1">
+            <a:schemeClr val="accent1"/>
+          </a:lnRef>
+          <a:fillRef idx="3">
+            <a:schemeClr val="accent1"/>
+          </a:fillRef>
+          <a:effectRef idx="2">
+            <a:schemeClr val="accent1"/>
+          </a:effectRef>
+          <a:fontRef idx="minor">
+            <a:schemeClr val="lt1"/>
+          </a:fontRef>
+        </p:style>
+        <p:txBody>
+          <a:bodyPr rtlCol="0" anchor="ctr"/>
+          <a:lstStyle/>
+          <a:p>
+            <a:pPr algn="ctr"/>
+            <a:r>
+              <a:rPr lang="en-US"/>
+              <a:t>`</a:t>
+            </a:r>
+          </a:p>
+        </p:txBody>
+      </p:sp>
+      <p:sp>
+        <p:nvSpPr>
+          <p:cNvPr id="45" name="TextBox 44">
+            <a:extLst>
+              <a:ext uri="{FF2B5EF4-FFF2-40B4-BE49-F238E27FC236}">
+                <a16:creationId xmlns:a16="http://schemas.microsoft.com/office/drawing/2014/main" id="{B24FBF15-1345-6DD8-2402-AE8356409C53}"/>
+              </a:ext>
+            </a:extLst>
+          </p:cNvPr>
+          <p:cNvSpPr txBox="1"/>
+          <p:nvPr/>
+        </p:nvSpPr>
+        <p:spPr>
+          <a:xfrm>
+            <a:off x="3422360" y="4049948"/>
+            <a:ext cx="2775797" cy="369332"/>
+          </a:xfrm>
+          <a:prstGeom prst="rect">
+            <a:avLst/>
+          </a:prstGeom>
+          <a:noFill/>
+        </p:spPr>
+        <p:txBody>
+          <a:bodyPr wrap="square">
+            <a:spAutoFit/>
+          </a:bodyPr>
+          <a:lstStyle/>
+          <a:p>
+            <a:r>
+              <a:rPr lang="en-US" altLang="zh-CN" sz="1800" dirty="0">
+                <a:solidFill>
+                  <a:schemeClr val="tx1"/>
+                </a:solidFill>
+                <a:latin typeface="Times New Roman" panose="02020603050405020304" pitchFamily="18" charset="0"/>
+                <a:cs typeface="Times New Roman" panose="02020603050405020304" pitchFamily="18" charset="0"/>
+              </a:rPr>
+              <a:t>Representation extraction</a:t>
+            </a:r>
+          </a:p>
+        </p:txBody>
+      </p:sp>
+      <p:sp>
+        <p:nvSpPr>
+          <p:cNvPr id="46" name="TextBox 45">
+            <a:extLst>
+              <a:ext uri="{FF2B5EF4-FFF2-40B4-BE49-F238E27FC236}">
+                <a16:creationId xmlns:a16="http://schemas.microsoft.com/office/drawing/2014/main" id="{07EF8FF3-F53F-71B7-D946-B30C7286E0D0}"/>
+              </a:ext>
+            </a:extLst>
+          </p:cNvPr>
+          <p:cNvSpPr txBox="1"/>
+          <p:nvPr/>
+        </p:nvSpPr>
+        <p:spPr>
+          <a:xfrm>
+            <a:off x="3788189" y="4647398"/>
+            <a:ext cx="2775797" cy="369332"/>
+          </a:xfrm>
+          <a:prstGeom prst="rect">
+            <a:avLst/>
+          </a:prstGeom>
+          <a:noFill/>
+        </p:spPr>
+        <p:txBody>
+          <a:bodyPr wrap="square">
+            <a:spAutoFit/>
+          </a:bodyPr>
+          <a:lstStyle/>
+          <a:p>
+            <a:r>
+              <a:rPr lang="en-US" altLang="zh-CN" sz="1800" dirty="0">
+                <a:solidFill>
+                  <a:schemeClr val="tx1"/>
+                </a:solidFill>
+                <a:latin typeface="Times New Roman" panose="02020603050405020304" pitchFamily="18" charset="0"/>
+                <a:cs typeface="Times New Roman" panose="02020603050405020304" pitchFamily="18" charset="0"/>
+              </a:rPr>
+              <a:t>Time alignment</a:t>
+            </a:r>
+          </a:p>
+        </p:txBody>
+      </p:sp>
+      <p:sp>
+        <p:nvSpPr>
+          <p:cNvPr id="47" name="TextBox 46">
+            <a:extLst>
+              <a:ext uri="{FF2B5EF4-FFF2-40B4-BE49-F238E27FC236}">
+                <a16:creationId xmlns:a16="http://schemas.microsoft.com/office/drawing/2014/main" id="{60A4ECFC-C808-AEFB-319A-F9E13176C0D3}"/>
+              </a:ext>
+            </a:extLst>
+          </p:cNvPr>
+          <p:cNvSpPr txBox="1"/>
+          <p:nvPr/>
+        </p:nvSpPr>
+        <p:spPr>
+          <a:xfrm>
+            <a:off x="3754470" y="5247777"/>
+            <a:ext cx="2775797" cy="369332"/>
+          </a:xfrm>
+          <a:prstGeom prst="rect">
+            <a:avLst/>
+          </a:prstGeom>
+          <a:noFill/>
+        </p:spPr>
+        <p:txBody>
+          <a:bodyPr wrap="square">
+            <a:spAutoFit/>
+          </a:bodyPr>
+          <a:lstStyle/>
+          <a:p>
+            <a:r>
+              <a:rPr lang="en-US" altLang="zh-CN" sz="1800" dirty="0">
+                <a:solidFill>
+                  <a:schemeClr val="tx1"/>
+                </a:solidFill>
+                <a:latin typeface="Times New Roman" panose="02020603050405020304" pitchFamily="18" charset="0"/>
+                <a:cs typeface="Times New Roman" panose="02020603050405020304" pitchFamily="18" charset="0"/>
+              </a:rPr>
+              <a:t>Predictor building</a:t>
+            </a:r>
+          </a:p>
+        </p:txBody>
+      </p:sp>
+      <p:sp>
+        <p:nvSpPr>
+          <p:cNvPr id="48" name="Rectangle 47">
+            <a:extLst>
+              <a:ext uri="{FF2B5EF4-FFF2-40B4-BE49-F238E27FC236}">
+                <a16:creationId xmlns:a16="http://schemas.microsoft.com/office/drawing/2014/main" id="{DC7C6A47-C412-5309-8D65-AC3A8FFD0B17}"/>
+              </a:ext>
+            </a:extLst>
+          </p:cNvPr>
+          <p:cNvSpPr/>
+          <p:nvPr/>
+        </p:nvSpPr>
+        <p:spPr>
+          <a:xfrm>
+            <a:off x="3369504" y="5229101"/>
+            <a:ext cx="2625559" cy="429836"/>
+          </a:xfrm>
+          <a:prstGeom prst="rect">
+            <a:avLst/>
+          </a:prstGeom>
+          <a:noFill/>
+          <a:ln w="38100" cmpd="sng">
+            <a:solidFill>
+              <a:schemeClr val="tx1"/>
+            </a:solidFill>
+          </a:ln>
+          <a:effectLst/>
+        </p:spPr>
+        <p:style>
+          <a:lnRef idx="1">
+            <a:schemeClr val="accent1"/>
+          </a:lnRef>
+          <a:fillRef idx="3">
+            <a:schemeClr val="accent1"/>
+          </a:fillRef>
+          <a:effectRef idx="2">
+            <a:schemeClr val="accent1"/>
+          </a:effectRef>
+          <a:fontRef idx="minor">
+            <a:schemeClr val="lt1"/>
+          </a:fontRef>
+        </p:style>
+        <p:txBody>
+          <a:bodyPr rtlCol="0" anchor="ctr"/>
+          <a:lstStyle/>
+          <a:p>
+            <a:pPr algn="ctr"/>
+            <a:r>
+              <a:rPr lang="en-US"/>
+              <a:t>`</a:t>
+            </a:r>
+          </a:p>
+        </p:txBody>
+      </p:sp>
+      <p:sp>
+        <p:nvSpPr>
+          <p:cNvPr id="13" name="TextBox 12">
+            <a:extLst>
+              <a:ext uri="{FF2B5EF4-FFF2-40B4-BE49-F238E27FC236}">
+                <a16:creationId xmlns:a16="http://schemas.microsoft.com/office/drawing/2014/main" id="{D0193901-1C67-AD74-4774-4A995B42A3F0}"/>
+              </a:ext>
+            </a:extLst>
+          </p:cNvPr>
+          <p:cNvSpPr txBox="1"/>
+          <p:nvPr/>
+        </p:nvSpPr>
+        <p:spPr>
+          <a:xfrm>
+            <a:off x="3462680" y="5889984"/>
+            <a:ext cx="2663306" cy="646331"/>
+          </a:xfrm>
+          <a:prstGeom prst="rect">
+            <a:avLst/>
+          </a:prstGeom>
+          <a:noFill/>
+        </p:spPr>
+        <p:txBody>
+          <a:bodyPr wrap="square">
+            <a:spAutoFit/>
+          </a:bodyPr>
+          <a:lstStyle/>
+          <a:p>
+            <a:r>
+              <a:rPr lang="en-US" altLang="zh-CN" sz="1800" dirty="0">
+                <a:solidFill>
+                  <a:schemeClr val="tx1"/>
+                </a:solidFill>
+                <a:latin typeface="Times New Roman" panose="02020603050405020304" pitchFamily="18" charset="0"/>
+                <a:cs typeface="Times New Roman" panose="02020603050405020304" pitchFamily="18" charset="0"/>
+              </a:rPr>
+              <a:t>Model-to-Brain pipeline</a:t>
+            </a:r>
+          </a:p>
+          <a:p>
+            <a:pPr algn="ctr"/>
+            <a:endParaRPr lang="en-US" altLang="zh-CN" sz="1800" dirty="0">
+              <a:solidFill>
+                <a:schemeClr val="tx1"/>
+              </a:solidFill>
+              <a:latin typeface="Times New Roman" panose="02020603050405020304" pitchFamily="18" charset="0"/>
+              <a:cs typeface="Times New Roman" panose="02020603050405020304" pitchFamily="18" charset="0"/>
+            </a:endParaRPr>
+          </a:p>
+        </p:txBody>
+      </p:sp>
     </p:spTree>
     <p:extLst>
       <p:ext uri="{BB962C8B-B14F-4D97-AF65-F5344CB8AC3E}">
